--- a/Dokumentacija/Pristatymas.pptx
+++ b/Dokumentacija/Pristatymas.pptx
@@ -109,6 +109,11 @@
       </a:defRPr>
     </a:lvl9pPr>
   </p:defaultTextStyle>
+  <p:extLst>
+    <p:ext uri="{EFAFB233-063F-42B5-8137-9DF3F51BA10A}">
+      <p15:sldGuideLst xmlns:p15="http://schemas.microsoft.com/office/powerpoint/2012/main"/>
+    </p:ext>
+  </p:extLst>
 </p:presentation>
 </file>
 
@@ -618,7 +623,7 @@
           <a:p>
             <a:fld id="{8661479E-1D6C-4D22-9B23-8D29D0F628F1}" type="datetimeFigureOut">
               <a:rPr lang="lt-LT" smtClean="0"/>
-              <a:t>2017-12-17</a:t>
+              <a:t>2017-12-20</a:t>
             </a:fld>
             <a:endParaRPr lang="lt-LT"/>
           </a:p>
@@ -914,7 +919,7 @@
           <a:p>
             <a:fld id="{8661479E-1D6C-4D22-9B23-8D29D0F628F1}" type="datetimeFigureOut">
               <a:rPr lang="lt-LT" smtClean="0"/>
-              <a:t>2017-12-17</a:t>
+              <a:t>2017-12-20</a:t>
             </a:fld>
             <a:endParaRPr lang="lt-LT"/>
           </a:p>
@@ -1162,7 +1167,7 @@
           <a:p>
             <a:fld id="{8661479E-1D6C-4D22-9B23-8D29D0F628F1}" type="datetimeFigureOut">
               <a:rPr lang="lt-LT" smtClean="0"/>
-              <a:t>2017-12-17</a:t>
+              <a:t>2017-12-20</a:t>
             </a:fld>
             <a:endParaRPr lang="lt-LT"/>
           </a:p>
@@ -1702,7 +1707,7 @@
           <a:p>
             <a:fld id="{8661479E-1D6C-4D22-9B23-8D29D0F628F1}" type="datetimeFigureOut">
               <a:rPr lang="lt-LT" smtClean="0"/>
-              <a:t>2017-12-17</a:t>
+              <a:t>2017-12-20</a:t>
             </a:fld>
             <a:endParaRPr lang="lt-LT"/>
           </a:p>
@@ -1950,7 +1955,7 @@
           <a:p>
             <a:fld id="{8661479E-1D6C-4D22-9B23-8D29D0F628F1}" type="datetimeFigureOut">
               <a:rPr lang="lt-LT" smtClean="0"/>
-              <a:t>2017-12-17</a:t>
+              <a:t>2017-12-20</a:t>
             </a:fld>
             <a:endParaRPr lang="lt-LT"/>
           </a:p>
@@ -2482,7 +2487,7 @@
           <a:p>
             <a:fld id="{8661479E-1D6C-4D22-9B23-8D29D0F628F1}" type="datetimeFigureOut">
               <a:rPr lang="lt-LT" smtClean="0"/>
-              <a:t>2017-12-17</a:t>
+              <a:t>2017-12-20</a:t>
             </a:fld>
             <a:endParaRPr lang="lt-LT"/>
           </a:p>
@@ -2779,7 +2784,7 @@
           <a:p>
             <a:fld id="{8661479E-1D6C-4D22-9B23-8D29D0F628F1}" type="datetimeFigureOut">
               <a:rPr lang="lt-LT" smtClean="0"/>
-              <a:t>2017-12-17</a:t>
+              <a:t>2017-12-20</a:t>
             </a:fld>
             <a:endParaRPr lang="lt-LT"/>
           </a:p>
@@ -2953,7 +2958,7 @@
           <a:p>
             <a:fld id="{8661479E-1D6C-4D22-9B23-8D29D0F628F1}" type="datetimeFigureOut">
               <a:rPr lang="lt-LT" smtClean="0"/>
-              <a:t>2017-12-17</a:t>
+              <a:t>2017-12-20</a:t>
             </a:fld>
             <a:endParaRPr lang="lt-LT"/>
           </a:p>
@@ -3133,7 +3138,7 @@
           <a:p>
             <a:fld id="{8661479E-1D6C-4D22-9B23-8D29D0F628F1}" type="datetimeFigureOut">
               <a:rPr lang="lt-LT" smtClean="0"/>
-              <a:t>2017-12-17</a:t>
+              <a:t>2017-12-20</a:t>
             </a:fld>
             <a:endParaRPr lang="lt-LT"/>
           </a:p>
@@ -3303,7 +3308,7 @@
           <a:p>
             <a:fld id="{8661479E-1D6C-4D22-9B23-8D29D0F628F1}" type="datetimeFigureOut">
               <a:rPr lang="lt-LT" smtClean="0"/>
-              <a:t>2017-12-17</a:t>
+              <a:t>2017-12-20</a:t>
             </a:fld>
             <a:endParaRPr lang="lt-LT"/>
           </a:p>
@@ -3554,7 +3559,7 @@
           <a:p>
             <a:fld id="{8661479E-1D6C-4D22-9B23-8D29D0F628F1}" type="datetimeFigureOut">
               <a:rPr lang="lt-LT" smtClean="0"/>
-              <a:t>2017-12-17</a:t>
+              <a:t>2017-12-20</a:t>
             </a:fld>
             <a:endParaRPr lang="lt-LT"/>
           </a:p>
@@ -3851,7 +3856,7 @@
           <a:p>
             <a:fld id="{8661479E-1D6C-4D22-9B23-8D29D0F628F1}" type="datetimeFigureOut">
               <a:rPr lang="lt-LT" smtClean="0"/>
-              <a:t>2017-12-17</a:t>
+              <a:t>2017-12-20</a:t>
             </a:fld>
             <a:endParaRPr lang="lt-LT"/>
           </a:p>
@@ -4293,7 +4298,7 @@
           <a:p>
             <a:fld id="{8661479E-1D6C-4D22-9B23-8D29D0F628F1}" type="datetimeFigureOut">
               <a:rPr lang="lt-LT" smtClean="0"/>
-              <a:t>2017-12-17</a:t>
+              <a:t>2017-12-20</a:t>
             </a:fld>
             <a:endParaRPr lang="lt-LT"/>
           </a:p>
@@ -4411,7 +4416,7 @@
           <a:p>
             <a:fld id="{8661479E-1D6C-4D22-9B23-8D29D0F628F1}" type="datetimeFigureOut">
               <a:rPr lang="lt-LT" smtClean="0"/>
-              <a:t>2017-12-17</a:t>
+              <a:t>2017-12-20</a:t>
             </a:fld>
             <a:endParaRPr lang="lt-LT"/>
           </a:p>
@@ -4506,7 +4511,7 @@
           <a:p>
             <a:fld id="{8661479E-1D6C-4D22-9B23-8D29D0F628F1}" type="datetimeFigureOut">
               <a:rPr lang="lt-LT" smtClean="0"/>
-              <a:t>2017-12-17</a:t>
+              <a:t>2017-12-20</a:t>
             </a:fld>
             <a:endParaRPr lang="lt-LT"/>
           </a:p>
@@ -4789,7 +4794,7 @@
           <a:p>
             <a:fld id="{8661479E-1D6C-4D22-9B23-8D29D0F628F1}" type="datetimeFigureOut">
               <a:rPr lang="lt-LT" smtClean="0"/>
-              <a:t>2017-12-17</a:t>
+              <a:t>2017-12-20</a:t>
             </a:fld>
             <a:endParaRPr lang="lt-LT"/>
           </a:p>
@@ -5080,7 +5085,7 @@
           <a:p>
             <a:fld id="{8661479E-1D6C-4D22-9B23-8D29D0F628F1}" type="datetimeFigureOut">
               <a:rPr lang="lt-LT" smtClean="0"/>
-              <a:t>2017-12-17</a:t>
+              <a:t>2017-12-20</a:t>
             </a:fld>
             <a:endParaRPr lang="lt-LT"/>
           </a:p>
@@ -5610,7 +5615,7 @@
           <a:p>
             <a:fld id="{8661479E-1D6C-4D22-9B23-8D29D0F628F1}" type="datetimeFigureOut">
               <a:rPr lang="lt-LT" smtClean="0"/>
-              <a:t>2017-12-17</a:t>
+              <a:t>2017-12-20</a:t>
             </a:fld>
             <a:endParaRPr lang="lt-LT"/>
           </a:p>
@@ -6293,12 +6298,20 @@
             <p:ph idx="1"/>
           </p:nvPr>
         </p:nvSpPr>
-        <p:spPr/>
+        <p:spPr>
+          <a:xfrm>
+            <a:off x="1484310" y="1069146"/>
+            <a:ext cx="10018713" cy="3779520"/>
+          </a:xfrm>
+        </p:spPr>
         <p:txBody>
           <a:bodyPr/>
           <a:lstStyle/>
           <a:p>
-            <a:endParaRPr lang="lt-LT" dirty="0"/>
+            <a:r>
+              <a:rPr lang="lt-LT" dirty="0"/>
+              <a:t>Suprogramuoti robotą, kuris gebėtų sekti liniją bei išvengti kelyje pasitaikiusių kliūčių</a:t>
+            </a:r>
           </a:p>
         </p:txBody>
       </p:sp>
@@ -6381,7 +6394,19 @@
           <a:bodyPr/>
           <a:lstStyle/>
           <a:p>
-            <a:endParaRPr lang="lt-LT"/>
+            <a:r>
+              <a:rPr lang="lt-LT" dirty="0"/>
+              <a:t>Užduočiai realizuoti bus naudojami 2 roboto jutikliai – linijos sekimo bei ultragarso</a:t>
+            </a:r>
+          </a:p>
+          <a:p>
+            <a:endParaRPr lang="lt-LT" dirty="0"/>
+          </a:p>
+          <a:p>
+            <a:pPr marL="0" indent="0">
+              <a:buNone/>
+            </a:pPr>
+            <a:endParaRPr lang="lt-LT" dirty="0"/>
           </a:p>
         </p:txBody>
       </p:sp>
